--- a/Later/Timer/1/TimerTask.pptx
+++ b/Later/Timer/1/TimerTask.pptx
@@ -195,7 +195,7 @@
           <a:p>
             <a:fld id="{62274EC6-3890-417B-9308-14EFBD00FA63}" type="datetimeFigureOut">
               <a:rPr lang="en-US" smtClean="0"/>
-              <a:t>1/15/2018</a:t>
+              <a:t>1/18/2018</a:t>
             </a:fld>
             <a:endParaRPr lang="en-US" dirty="0"/>
           </a:p>
@@ -1001,7 +1001,7 @@
             <a:fld id="{1D8BD707-D9CF-40AE-B4C6-C98DA3205C09}" type="datetimeFigureOut">
               <a:rPr lang="en-US" smtClean="0"/>
               <a:pPr/>
-              <a:t>1/15/2018</a:t>
+              <a:t>1/18/2018</a:t>
             </a:fld>
             <a:endParaRPr lang="en-US" dirty="0"/>
           </a:p>
@@ -1173,7 +1173,7 @@
             <a:fld id="{1D8BD707-D9CF-40AE-B4C6-C98DA3205C09}" type="datetimeFigureOut">
               <a:rPr lang="en-US" smtClean="0"/>
               <a:pPr/>
-              <a:t>1/15/2018</a:t>
+              <a:t>1/18/2018</a:t>
             </a:fld>
             <a:endParaRPr lang="en-US" dirty="0"/>
           </a:p>
@@ -1355,7 +1355,7 @@
             <a:fld id="{1D8BD707-D9CF-40AE-B4C6-C98DA3205C09}" type="datetimeFigureOut">
               <a:rPr lang="en-US" smtClean="0"/>
               <a:pPr/>
-              <a:t>1/15/2018</a:t>
+              <a:t>1/18/2018</a:t>
             </a:fld>
             <a:endParaRPr lang="en-US" dirty="0"/>
           </a:p>
@@ -1527,7 +1527,7 @@
             <a:fld id="{1D8BD707-D9CF-40AE-B4C6-C98DA3205C09}" type="datetimeFigureOut">
               <a:rPr lang="en-US" smtClean="0"/>
               <a:pPr/>
-              <a:t>1/15/2018</a:t>
+              <a:t>1/18/2018</a:t>
             </a:fld>
             <a:endParaRPr lang="en-US" dirty="0"/>
           </a:p>
@@ -1775,7 +1775,7 @@
             <a:fld id="{1D8BD707-D9CF-40AE-B4C6-C98DA3205C09}" type="datetimeFigureOut">
               <a:rPr lang="en-US" smtClean="0"/>
               <a:pPr/>
-              <a:t>1/15/2018</a:t>
+              <a:t>1/18/2018</a:t>
             </a:fld>
             <a:endParaRPr lang="en-US" dirty="0"/>
           </a:p>
@@ -2065,7 +2065,7 @@
             <a:fld id="{1D8BD707-D9CF-40AE-B4C6-C98DA3205C09}" type="datetimeFigureOut">
               <a:rPr lang="en-US" smtClean="0"/>
               <a:pPr/>
-              <a:t>1/15/2018</a:t>
+              <a:t>1/18/2018</a:t>
             </a:fld>
             <a:endParaRPr lang="en-US" dirty="0"/>
           </a:p>
@@ -2494,7 +2494,7 @@
             <a:fld id="{1D8BD707-D9CF-40AE-B4C6-C98DA3205C09}" type="datetimeFigureOut">
               <a:rPr lang="en-US" smtClean="0"/>
               <a:pPr/>
-              <a:t>1/15/2018</a:t>
+              <a:t>1/18/2018</a:t>
             </a:fld>
             <a:endParaRPr lang="en-US" dirty="0"/>
           </a:p>
@@ -2614,7 +2614,7 @@
             <a:fld id="{1D8BD707-D9CF-40AE-B4C6-C98DA3205C09}" type="datetimeFigureOut">
               <a:rPr lang="en-US" smtClean="0"/>
               <a:pPr/>
-              <a:t>1/15/2018</a:t>
+              <a:t>1/18/2018</a:t>
             </a:fld>
             <a:endParaRPr lang="en-US" dirty="0"/>
           </a:p>
@@ -2711,7 +2711,7 @@
             <a:fld id="{1D8BD707-D9CF-40AE-B4C6-C98DA3205C09}" type="datetimeFigureOut">
               <a:rPr lang="en-US" smtClean="0"/>
               <a:pPr/>
-              <a:t>1/15/2018</a:t>
+              <a:t>1/18/2018</a:t>
             </a:fld>
             <a:endParaRPr lang="en-US" dirty="0"/>
           </a:p>
@@ -2990,7 +2990,7 @@
             <a:fld id="{1D8BD707-D9CF-40AE-B4C6-C98DA3205C09}" type="datetimeFigureOut">
               <a:rPr lang="en-US" smtClean="0"/>
               <a:pPr/>
-              <a:t>1/15/2018</a:t>
+              <a:t>1/18/2018</a:t>
             </a:fld>
             <a:endParaRPr lang="en-US" dirty="0"/>
           </a:p>
@@ -3245,7 +3245,7 @@
             <a:fld id="{1D8BD707-D9CF-40AE-B4C6-C98DA3205C09}" type="datetimeFigureOut">
               <a:rPr lang="en-US" smtClean="0"/>
               <a:pPr/>
-              <a:t>1/15/2018</a:t>
+              <a:t>1/18/2018</a:t>
             </a:fld>
             <a:endParaRPr lang="en-US" dirty="0"/>
           </a:p>
@@ -3460,7 +3460,7 @@
             <a:fld id="{1D8BD707-D9CF-40AE-B4C6-C98DA3205C09}" type="datetimeFigureOut">
               <a:rPr lang="en-US" smtClean="0"/>
               <a:pPr/>
-              <a:t>1/15/2018</a:t>
+              <a:t>1/18/2018</a:t>
             </a:fld>
             <a:endParaRPr lang="en-US" dirty="0"/>
           </a:p>
@@ -4105,7 +4105,6 @@
               <a:rPr lang="en-US" sz="1200" dirty="0"/>
               <a:t> class represents a task that can be scheduled for one-time or repeated execution by a Timer.</a:t>
             </a:r>
-            <a:endParaRPr lang="en-US" sz="1200" dirty="0"/>
           </a:p>
         </p:txBody>
       </p:sp>
@@ -4483,15 +4482,7 @@
             </a:pPr>
             <a:r>
               <a:rPr lang="en-US" sz="1200" dirty="0"/>
-              <a:t>This class is thread-safe: multiple threads can share a single </a:t>
-            </a:r>
-            <a:r>
-              <a:rPr lang="en-US" sz="1200" dirty="0"/>
-              <a:t>Timer</a:t>
-            </a:r>
-            <a:r>
-              <a:rPr lang="en-US" sz="1200" dirty="0"/>
-              <a:t> object without the need for external synchronization.</a:t>
+              <a:t>This class is thread-safe: multiple threads can share a single Timer object without the need for external synchronization.</a:t>
             </a:r>
             <a:endParaRPr lang="en-US" sz="1200" dirty="0" smtClean="0"/>
           </a:p>
@@ -4772,6 +4763,72 @@
               <a:t>to run at a particular time</a:t>
             </a:r>
             <a:endParaRPr lang="en-US" sz="1200" dirty="0"/>
+          </a:p>
+        </p:txBody>
+      </p:sp>
+      <p:sp>
+        <p:nvSpPr>
+          <p:cNvPr id="4" name="Rectangle 3"/>
+          <p:cNvSpPr/>
+          <p:nvPr/>
+        </p:nvSpPr>
+        <p:spPr>
+          <a:xfrm>
+            <a:off x="2586037" y="809625"/>
+            <a:ext cx="4029075" cy="276999"/>
+          </a:xfrm>
+          <a:prstGeom prst="rect">
+            <a:avLst/>
+          </a:prstGeom>
+        </p:spPr>
+        <p:style>
+          <a:lnRef idx="1">
+            <a:schemeClr val="accent1"/>
+          </a:lnRef>
+          <a:fillRef idx="2">
+            <a:schemeClr val="accent1"/>
+          </a:fillRef>
+          <a:effectRef idx="1">
+            <a:schemeClr val="accent1"/>
+          </a:effectRef>
+          <a:fontRef idx="minor">
+            <a:schemeClr val="dk1"/>
+          </a:fontRef>
+        </p:style>
+        <p:txBody>
+          <a:bodyPr wrap="square">
+            <a:spAutoFit/>
+          </a:bodyPr>
+          <a:lstStyle/>
+          <a:p>
+            <a:r>
+              <a:rPr lang="en-US" sz="1200" dirty="0"/>
+              <a:t> </a:t>
+            </a:r>
+            <a:r>
+              <a:rPr lang="en-US" sz="1200" dirty="0">
+                <a:solidFill>
+                  <a:srgbClr val="FF0000"/>
+                </a:solidFill>
+              </a:rPr>
+              <a:t>TimerTask </a:t>
+            </a:r>
+            <a:r>
+              <a:rPr lang="en-US" sz="1200" dirty="0"/>
+              <a:t>is the task to perform and </a:t>
+            </a:r>
+            <a:r>
+              <a:rPr lang="en-US" sz="1200" dirty="0">
+                <a:solidFill>
+                  <a:srgbClr val="FF0000"/>
+                </a:solidFill>
+              </a:rPr>
+              <a:t>Timer</a:t>
+            </a:r>
+            <a:r>
+              <a:rPr lang="en-US" sz="1200" dirty="0"/>
+              <a:t> is the scheduler.</a:t>
+            </a:r>
           </a:p>
         </p:txBody>
       </p:sp>
